--- a/Meetings/2019-10-06 18-01 F03 Project_Poster.pptx
+++ b/Meetings/2019-10-06 18-01 F03 Project_Poster.pptx
@@ -5343,7 +5343,7 @@
           <a:lstStyle/>
           <a:p>
             <a:r>
-              <a:rPr lang="en-US" dirty="0"/>
+              <a:rPr lang="en-US" b="1" dirty="0"/>
               <a:t>Tasks &amp; Milestones</a:t>
             </a:r>
           </a:p>
@@ -5440,7 +5440,7 @@
           <a:lstStyle/>
           <a:p>
             <a:r>
-              <a:rPr lang="en-US" dirty="0"/>
+              <a:rPr lang="en-US" b="1" dirty="0"/>
               <a:t>Motivation &amp; Background</a:t>
             </a:r>
           </a:p>
@@ -5476,7 +5476,7 @@
           <a:lstStyle/>
           <a:p>
             <a:r>
-              <a:rPr lang="en-US" dirty="0"/>
+              <a:rPr lang="en-US" b="1" dirty="0"/>
               <a:t>Progress Results</a:t>
             </a:r>
           </a:p>
@@ -5507,7 +5507,7 @@
           <a:lstStyle/>
           <a:p>
             <a:r>
-              <a:rPr lang="en-US" dirty="0"/>
+              <a:rPr lang="en-US" b="1" dirty="0"/>
               <a:t>Objectives</a:t>
             </a:r>
           </a:p>
@@ -5598,7 +5598,7 @@
           <a:lstStyle/>
           <a:p>
             <a:r>
-              <a:rPr lang="en-US" dirty="0"/>
+              <a:rPr lang="en-US" b="1" dirty="0"/>
               <a:t>Project Deliverables &amp; CDIP</a:t>
             </a:r>
           </a:p>
@@ -5609,7 +5609,7 @@
             </a:pPr>
             <a:r>
               <a:rPr lang="en-US" dirty="0"/>
-              <a:t>Identification algorithm of robot dynamics (including joint compliance).</a:t>
+              <a:t>Identification algorithm of robot dynamics (including joint compliance)</a:t>
             </a:r>
           </a:p>
           <a:p>
@@ -5676,7 +5676,7 @@
           <a:lstStyle/>
           <a:p>
             <a:r>
-              <a:rPr lang="en-US" dirty="0"/>
+              <a:rPr lang="en-US" b="1" dirty="0"/>
               <a:t>Conclusion &amp; Applicability</a:t>
             </a:r>
           </a:p>
@@ -5906,7 +5906,7 @@
                 <a:latin typeface="Calibri" panose="020F0502020204030204" pitchFamily="34" charset="0"/>
                 <a:cs typeface="Calibri" panose="020F0502020204030204" pitchFamily="34" charset="0"/>
               </a:rPr>
-              <a:t>Deep rolling:</a:t>
+              <a:t>Deep Rolling:</a:t>
             </a:r>
           </a:p>
           <a:p>
@@ -5919,7 +5919,7 @@
                 <a:latin typeface="Calibri" panose="020F0502020204030204" pitchFamily="34" charset="0"/>
                 <a:cs typeface="Calibri" panose="020F0502020204030204" pitchFamily="34" charset="0"/>
               </a:rPr>
-              <a:t>workpiece surface exposed to high local mechanical load using a spherical or cylindrical type tool to induce work hardening and compressive residual stress</a:t>
+              <a:t>Workpiece surface exposed to high local mechanical load using a spherical or cylindrical type tool to induce work hardening and compressive residual stress</a:t>
             </a:r>
           </a:p>
           <a:p>
@@ -5932,7 +5932,7 @@
                 <a:latin typeface="Calibri" panose="020F0502020204030204" pitchFamily="34" charset="0"/>
                 <a:cs typeface="Calibri" panose="020F0502020204030204" pitchFamily="34" charset="0"/>
               </a:rPr>
-              <a:t>Altering mechanical behavior of material, enhancing stability of near-surface structure, improving peak-to-peak value of surface roughness. </a:t>
+              <a:t>Altering mechanical behavior of material, enhancing stability of near-surface structure, reducing peak-to-peak value of surface roughness. </a:t>
             </a:r>
           </a:p>
           <a:p>
@@ -5941,7 +5941,7 @@
                 <a:latin typeface="Calibri" panose="020F0502020204030204" pitchFamily="34" charset="0"/>
                 <a:cs typeface="Calibri" panose="020F0502020204030204" pitchFamily="34" charset="0"/>
               </a:rPr>
-              <a:t>Robotic roller burnishing</a:t>
+              <a:t>Robotic Deep Rolling</a:t>
             </a:r>
           </a:p>
           <a:p>
@@ -6614,7 +6614,7 @@
                 <a:latin typeface="Calibri" panose="020F0502020204030204" pitchFamily="34" charset="0"/>
                 <a:cs typeface="Calibri" panose="020F0502020204030204" pitchFamily="34" charset="0"/>
               </a:rPr>
-              <a:t>Product quality: surface deformation, fatigue life</a:t>
+              <a:t>Product quality (material properties)</a:t>
             </a:r>
           </a:p>
           <a:p>
@@ -6709,15 +6709,10 @@
                 <a:latin typeface="Calibri" panose="020F0502020204030204" pitchFamily="34" charset="0"/>
                 <a:cs typeface="Calibri" panose="020F0502020204030204" pitchFamily="34" charset="0"/>
               </a:rPr>
-              <a:t>Post-treatment verification: microstructure characterization (surface roughness, </a:t>
-            </a:r>
-          </a:p>
-          <a:p>
-            <a:pPr>
-              <a:tabLst>
-                <a:tab pos="330200" algn="l"/>
-              </a:tabLst>
-            </a:pPr>
+              <a:t>Post-treatment material properties: </a:t>
+            </a:r>
+          </a:p>
+          <a:p>
             <a:r>
               <a:rPr lang="en-US" sz="3200" dirty="0">
                 <a:solidFill>
@@ -6726,7 +6721,24 @@
                 <a:latin typeface="Calibri" panose="020F0502020204030204" pitchFamily="34" charset="0"/>
                 <a:cs typeface="Calibri" panose="020F0502020204030204" pitchFamily="34" charset="0"/>
               </a:rPr>
-              <a:t>	deformation, residue stress), fatigue</a:t>
+              <a:t>	microstructure (surface roughness, </a:t>
+            </a:r>
+          </a:p>
+          <a:p>
+            <a:pPr>
+              <a:tabLst>
+                <a:tab pos="330200" algn="l"/>
+              </a:tabLst>
+            </a:pPr>
+            <a:r>
+              <a:rPr lang="en-US" sz="3200" dirty="0">
+                <a:solidFill>
+                  <a:srgbClr val="000000"/>
+                </a:solidFill>
+                <a:latin typeface="Calibri" panose="020F0502020204030204" pitchFamily="34" charset="0"/>
+                <a:cs typeface="Calibri" panose="020F0502020204030204" pitchFamily="34" charset="0"/>
+              </a:rPr>
+              <a:t>		deformation, residue stress), fatigue</a:t>
             </a:r>
             <a:endParaRPr lang="en-US" sz="2800" dirty="0">
               <a:solidFill>
@@ -7805,8 +7817,8 @@
         </p:nvSpPr>
         <p:spPr>
           <a:xfrm>
-            <a:off x="31422120" y="9122426"/>
-            <a:ext cx="7040497" cy="646331"/>
+            <a:off x="31422119" y="9122426"/>
+            <a:ext cx="7671693" cy="646331"/>
           </a:xfrm>
           <a:prstGeom prst="rect">
             <a:avLst/>
@@ -7829,15 +7841,7 @@
             </a:r>
             <a:r>
               <a:rPr lang="en-US" sz="2800" dirty="0"/>
-              <a:t> (1D </a:t>
-            </a:r>
-            <a:r>
-              <a:rPr lang="en-US" sz="2800" dirty="0" err="1"/>
-              <a:t>pring</a:t>
-            </a:r>
-            <a:r>
-              <a:rPr lang="en-US" sz="2800" dirty="0"/>
-              <a:t> Surface  </a:t>
+              <a:t> (1D Spring Surface) </a:t>
             </a:r>
             <a:endParaRPr lang="en-US" sz="3600" dirty="0"/>
           </a:p>
